--- a/Team 13 Storyboard.pptx
+++ b/Team 13 Storyboard.pptx
@@ -6,10 +6,12 @@
   </p:sldMasterIdLst>
   <p:sldIdLst>
     <p:sldId id="256" r:id="rId2"/>
-    <p:sldId id="257" r:id="rId3"/>
-    <p:sldId id="258" r:id="rId4"/>
-    <p:sldId id="259" r:id="rId5"/>
-    <p:sldId id="260" r:id="rId6"/>
+    <p:sldId id="262" r:id="rId3"/>
+    <p:sldId id="257" r:id="rId4"/>
+    <p:sldId id="263" r:id="rId5"/>
+    <p:sldId id="258" r:id="rId6"/>
+    <p:sldId id="259" r:id="rId7"/>
+    <p:sldId id="260" r:id="rId8"/>
   </p:sldIdLst>
   <p:sldSz cx="12192000" cy="6858000"/>
   <p:notesSz cx="6858000" cy="9144000"/>
@@ -3760,20 +3762,14 @@
           <p:cNvPr id="2" name="Table 2">
             <a:extLst>
               <a:ext uri="{FF2B5EF4-FFF2-40B4-BE49-F238E27FC236}">
-                <a16:creationId xmlns:a16="http://schemas.microsoft.com/office/drawing/2014/main" id="{E75B7A95-692C-9B04-84E7-194EFB0A18DC}"/>
+                <a16:creationId xmlns:a16="http://schemas.microsoft.com/office/drawing/2014/main" id="{C0B59E0E-07D0-DC2B-4BAF-3D5AD59C5D6F}"/>
               </a:ext>
             </a:extLst>
           </p:cNvPr>
           <p:cNvGraphicFramePr>
             <a:graphicFrameLocks noGrp="1"/>
           </p:cNvGraphicFramePr>
-          <p:nvPr>
-            <p:extLst>
-              <p:ext uri="{D42A27DB-BD31-4B8C-83A1-F6EECF244321}">
-                <p14:modId xmlns:p14="http://schemas.microsoft.com/office/powerpoint/2010/main" val="428504116"/>
-              </p:ext>
-            </p:extLst>
-          </p:nvPr>
+          <p:nvPr/>
         </p:nvGraphicFramePr>
         <p:xfrm>
           <a:off x="2" y="1416079"/>
@@ -3954,47 +3950,10 @@
       </p:graphicFrame>
       <p:sp>
         <p:nvSpPr>
-          <p:cNvPr id="5" name="TextBox 4">
-            <a:extLst>
-              <a:ext uri="{FF2B5EF4-FFF2-40B4-BE49-F238E27FC236}">
-                <a16:creationId xmlns:a16="http://schemas.microsoft.com/office/drawing/2014/main" id="{C0A6C51E-ECDC-16C8-D6E0-F4D0ADC51248}"/>
-              </a:ext>
-            </a:extLst>
-          </p:cNvPr>
-          <p:cNvSpPr txBox="1"/>
-          <p:nvPr/>
-        </p:nvSpPr>
-        <p:spPr>
-          <a:xfrm>
-            <a:off x="0" y="1939606"/>
-            <a:ext cx="12192000" cy="523220"/>
-          </a:xfrm>
-          <a:prstGeom prst="rect">
-            <a:avLst/>
-          </a:prstGeom>
-          <a:noFill/>
-        </p:spPr>
-        <p:txBody>
-          <a:bodyPr wrap="square" rtlCol="0">
-            <a:spAutoFit/>
-          </a:bodyPr>
-          <a:lstStyle/>
-          <a:p>
-            <a:pPr algn="ctr"/>
-            <a:r>
-              <a:rPr lang="en-US" sz="2800" dirty="0"/>
-              <a:t>Categories</a:t>
-            </a:r>
-            <a:endParaRPr lang="en-GB" dirty="0"/>
-          </a:p>
-        </p:txBody>
-      </p:sp>
-      <p:sp>
-        <p:nvSpPr>
-          <p:cNvPr id="8" name="Rectangle 7">
-            <a:extLst>
-              <a:ext uri="{FF2B5EF4-FFF2-40B4-BE49-F238E27FC236}">
-                <a16:creationId xmlns:a16="http://schemas.microsoft.com/office/drawing/2014/main" id="{1D59E34E-FFBA-6578-25B3-FAB5F9B44B33}"/>
+          <p:cNvPr id="3" name="Rectangle 2">
+            <a:extLst>
+              <a:ext uri="{FF2B5EF4-FFF2-40B4-BE49-F238E27FC236}">
+                <a16:creationId xmlns:a16="http://schemas.microsoft.com/office/drawing/2014/main" id="{C2E543E9-9815-0C17-E893-44F9D443664B}"/>
               </a:ext>
             </a:extLst>
           </p:cNvPr>
@@ -4041,6 +4000,1371 @@
           </a:p>
         </p:txBody>
       </p:sp>
+      <p:sp>
+        <p:nvSpPr>
+          <p:cNvPr id="6" name="TextBox 5">
+            <a:extLst>
+              <a:ext uri="{FF2B5EF4-FFF2-40B4-BE49-F238E27FC236}">
+                <a16:creationId xmlns:a16="http://schemas.microsoft.com/office/drawing/2014/main" id="{35408E95-AF31-D80F-5A00-59EE87BD3BE0}"/>
+              </a:ext>
+            </a:extLst>
+          </p:cNvPr>
+          <p:cNvSpPr txBox="1"/>
+          <p:nvPr/>
+        </p:nvSpPr>
+        <p:spPr>
+          <a:xfrm>
+            <a:off x="0" y="0"/>
+            <a:ext cx="2410691" cy="369332"/>
+          </a:xfrm>
+          <a:prstGeom prst="rect">
+            <a:avLst/>
+          </a:prstGeom>
+          <a:noFill/>
+        </p:spPr>
+        <p:txBody>
+          <a:bodyPr wrap="square" rtlCol="0">
+            <a:spAutoFit/>
+          </a:bodyPr>
+          <a:lstStyle/>
+          <a:p>
+            <a:r>
+              <a:rPr lang="en-US" dirty="0"/>
+              <a:t>Home Page</a:t>
+            </a:r>
+            <a:endParaRPr lang="en-GB" dirty="0"/>
+          </a:p>
+        </p:txBody>
+      </p:sp>
+      <p:sp>
+        <p:nvSpPr>
+          <p:cNvPr id="7" name="Rectangle: Rounded Corners 6">
+            <a:extLst>
+              <a:ext uri="{FF2B5EF4-FFF2-40B4-BE49-F238E27FC236}">
+                <a16:creationId xmlns:a16="http://schemas.microsoft.com/office/drawing/2014/main" id="{C6F98796-E9CB-48D0-214D-B3073370A117}"/>
+              </a:ext>
+            </a:extLst>
+          </p:cNvPr>
+          <p:cNvSpPr/>
+          <p:nvPr/>
+        </p:nvSpPr>
+        <p:spPr>
+          <a:xfrm>
+            <a:off x="42440" y="1912733"/>
+            <a:ext cx="12107119" cy="448502"/>
+          </a:xfrm>
+          <a:prstGeom prst="roundRect">
+            <a:avLst/>
+          </a:prstGeom>
+        </p:spPr>
+        <p:style>
+          <a:lnRef idx="2">
+            <a:schemeClr val="dk1"/>
+          </a:lnRef>
+          <a:fillRef idx="1">
+            <a:schemeClr val="lt1"/>
+          </a:fillRef>
+          <a:effectRef idx="0">
+            <a:schemeClr val="dk1"/>
+          </a:effectRef>
+          <a:fontRef idx="minor">
+            <a:schemeClr val="dk1"/>
+          </a:fontRef>
+        </p:style>
+        <p:txBody>
+          <a:bodyPr rtlCol="0" anchor="ctr"/>
+          <a:lstStyle/>
+          <a:p>
+            <a:pPr algn="ctr"/>
+            <a:r>
+              <a:rPr lang="en-US" dirty="0"/>
+              <a:t>Search Bar</a:t>
+            </a:r>
+            <a:endParaRPr lang="en-GB" dirty="0"/>
+          </a:p>
+        </p:txBody>
+      </p:sp>
+      <p:sp>
+        <p:nvSpPr>
+          <p:cNvPr id="8" name="Rectangle 7">
+            <a:extLst>
+              <a:ext uri="{FF2B5EF4-FFF2-40B4-BE49-F238E27FC236}">
+                <a16:creationId xmlns:a16="http://schemas.microsoft.com/office/drawing/2014/main" id="{E38AF366-0B45-0832-98D2-3DF998A0687A}"/>
+              </a:ext>
+            </a:extLst>
+          </p:cNvPr>
+          <p:cNvSpPr/>
+          <p:nvPr/>
+        </p:nvSpPr>
+        <p:spPr>
+          <a:xfrm>
+            <a:off x="0" y="2546430"/>
+            <a:ext cx="12149559" cy="2152570"/>
+          </a:xfrm>
+          <a:prstGeom prst="rect">
+            <a:avLst/>
+          </a:prstGeom>
+        </p:spPr>
+        <p:style>
+          <a:lnRef idx="2">
+            <a:schemeClr val="dk1"/>
+          </a:lnRef>
+          <a:fillRef idx="1">
+            <a:schemeClr val="lt1"/>
+          </a:fillRef>
+          <a:effectRef idx="0">
+            <a:schemeClr val="dk1"/>
+          </a:effectRef>
+          <a:fontRef idx="minor">
+            <a:schemeClr val="dk1"/>
+          </a:fontRef>
+        </p:style>
+        <p:txBody>
+          <a:bodyPr rtlCol="0" anchor="ctr"/>
+          <a:lstStyle/>
+          <a:p>
+            <a:pPr algn="ctr"/>
+            <a:r>
+              <a:rPr lang="en-US" sz="3200" dirty="0"/>
+              <a:t>Slide Show of different products</a:t>
+            </a:r>
+            <a:endParaRPr lang="en-GB" sz="3200" dirty="0"/>
+          </a:p>
+        </p:txBody>
+      </p:sp>
+      <p:sp>
+        <p:nvSpPr>
+          <p:cNvPr id="10" name="Arrow: Right 9">
+            <a:extLst>
+              <a:ext uri="{FF2B5EF4-FFF2-40B4-BE49-F238E27FC236}">
+                <a16:creationId xmlns:a16="http://schemas.microsoft.com/office/drawing/2014/main" id="{2C0E9303-5073-68F8-F8E2-032D7918960C}"/>
+              </a:ext>
+            </a:extLst>
+          </p:cNvPr>
+          <p:cNvSpPr/>
+          <p:nvPr/>
+        </p:nvSpPr>
+        <p:spPr>
+          <a:xfrm>
+            <a:off x="10252275" y="2915762"/>
+            <a:ext cx="1821084" cy="1435261"/>
+          </a:xfrm>
+          <a:prstGeom prst="rightArrow">
+            <a:avLst/>
+          </a:prstGeom>
+        </p:spPr>
+        <p:style>
+          <a:lnRef idx="2">
+            <a:schemeClr val="dk1">
+              <a:shade val="50000"/>
+            </a:schemeClr>
+          </a:lnRef>
+          <a:fillRef idx="1">
+            <a:schemeClr val="dk1"/>
+          </a:fillRef>
+          <a:effectRef idx="0">
+            <a:schemeClr val="dk1"/>
+          </a:effectRef>
+          <a:fontRef idx="minor">
+            <a:schemeClr val="lt1"/>
+          </a:fontRef>
+        </p:style>
+        <p:txBody>
+          <a:bodyPr rtlCol="0" anchor="ctr"/>
+          <a:lstStyle/>
+          <a:p>
+            <a:pPr algn="ctr"/>
+            <a:endParaRPr lang="en-GB"/>
+          </a:p>
+        </p:txBody>
+      </p:sp>
+      <p:graphicFrame>
+        <p:nvGraphicFramePr>
+          <p:cNvPr id="13" name="Table 13">
+            <a:extLst>
+              <a:ext uri="{FF2B5EF4-FFF2-40B4-BE49-F238E27FC236}">
+                <a16:creationId xmlns:a16="http://schemas.microsoft.com/office/drawing/2014/main" id="{60F296CA-8BE7-E402-7C3F-51300B787090}"/>
+              </a:ext>
+            </a:extLst>
+          </p:cNvPr>
+          <p:cNvGraphicFramePr>
+            <a:graphicFrameLocks noGrp="1"/>
+          </p:cNvGraphicFramePr>
+          <p:nvPr/>
+        </p:nvGraphicFramePr>
+        <p:xfrm>
+          <a:off x="42440" y="4862886"/>
+          <a:ext cx="12149560" cy="1988924"/>
+        </p:xfrm>
+        <a:graphic>
+          <a:graphicData uri="http://schemas.openxmlformats.org/drawingml/2006/table">
+            <a:tbl>
+              <a:tblPr firstRow="1" bandRow="1">
+                <a:tableStyleId>{5940675A-B579-460E-94D1-54222C63F5DA}</a:tableStyleId>
+              </a:tblPr>
+              <a:tblGrid>
+                <a:gridCol w="2429912">
+                  <a:extLst>
+                    <a:ext uri="{9D8B030D-6E8A-4147-A177-3AD203B41FA5}">
+                      <a16:colId xmlns:a16="http://schemas.microsoft.com/office/drawing/2014/main" val="2499451052"/>
+                    </a:ext>
+                  </a:extLst>
+                </a:gridCol>
+                <a:gridCol w="2429912">
+                  <a:extLst>
+                    <a:ext uri="{9D8B030D-6E8A-4147-A177-3AD203B41FA5}">
+                      <a16:colId xmlns:a16="http://schemas.microsoft.com/office/drawing/2014/main" val="252646054"/>
+                    </a:ext>
+                  </a:extLst>
+                </a:gridCol>
+                <a:gridCol w="2429912">
+                  <a:extLst>
+                    <a:ext uri="{9D8B030D-6E8A-4147-A177-3AD203B41FA5}">
+                      <a16:colId xmlns:a16="http://schemas.microsoft.com/office/drawing/2014/main" val="118999109"/>
+                    </a:ext>
+                  </a:extLst>
+                </a:gridCol>
+                <a:gridCol w="2429912">
+                  <a:extLst>
+                    <a:ext uri="{9D8B030D-6E8A-4147-A177-3AD203B41FA5}">
+                      <a16:colId xmlns:a16="http://schemas.microsoft.com/office/drawing/2014/main" val="3409403756"/>
+                    </a:ext>
+                  </a:extLst>
+                </a:gridCol>
+                <a:gridCol w="2429912">
+                  <a:extLst>
+                    <a:ext uri="{9D8B030D-6E8A-4147-A177-3AD203B41FA5}">
+                      <a16:colId xmlns:a16="http://schemas.microsoft.com/office/drawing/2014/main" val="2826464757"/>
+                    </a:ext>
+                  </a:extLst>
+                </a:gridCol>
+              </a:tblGrid>
+              <a:tr h="1257404">
+                <a:tc>
+                  <a:txBody>
+                    <a:bodyPr/>
+                    <a:lstStyle/>
+                    <a:p>
+                      <a:pPr algn="ctr"/>
+                      <a:r>
+                        <a:rPr lang="en-US" dirty="0"/>
+                        <a:t>Item 1</a:t>
+                      </a:r>
+                      <a:endParaRPr lang="en-GB" dirty="0"/>
+                    </a:p>
+                  </a:txBody>
+                  <a:tcPr>
+                    <a:lnB w="12700" cap="flat" cmpd="sng" algn="ctr">
+                      <a:solidFill>
+                        <a:schemeClr val="tx1"/>
+                      </a:solidFill>
+                      <a:prstDash val="solid"/>
+                      <a:round/>
+                      <a:headEnd type="none" w="med" len="med"/>
+                      <a:tailEnd type="none" w="med" len="med"/>
+                    </a:lnB>
+                  </a:tcPr>
+                </a:tc>
+                <a:tc>
+                  <a:txBody>
+                    <a:bodyPr/>
+                    <a:lstStyle/>
+                    <a:p>
+                      <a:pPr marL="0" marR="0" lvl="0" indent="0" algn="ctr" defTabSz="914400" rtl="0" eaLnBrk="1" fontAlgn="auto" latinLnBrk="0" hangingPunct="1">
+                        <a:lnSpc>
+                          <a:spcPct val="100000"/>
+                        </a:lnSpc>
+                        <a:spcBef>
+                          <a:spcPts val="0"/>
+                        </a:spcBef>
+                        <a:spcAft>
+                          <a:spcPts val="0"/>
+                        </a:spcAft>
+                        <a:buClrTx/>
+                        <a:buSzTx/>
+                        <a:buFontTx/>
+                        <a:buNone/>
+                        <a:tabLst/>
+                        <a:defRPr/>
+                      </a:pPr>
+                      <a:r>
+                        <a:rPr lang="en-US" dirty="0"/>
+                        <a:t>Item 2</a:t>
+                      </a:r>
+                      <a:endParaRPr lang="en-GB" dirty="0"/>
+                    </a:p>
+                    <a:p>
+                      <a:pPr algn="ctr"/>
+                      <a:endParaRPr lang="en-GB" dirty="0"/>
+                    </a:p>
+                  </a:txBody>
+                  <a:tcPr>
+                    <a:lnB w="12700" cap="flat" cmpd="sng" algn="ctr">
+                      <a:solidFill>
+                        <a:schemeClr val="tx1"/>
+                      </a:solidFill>
+                      <a:prstDash val="solid"/>
+                      <a:round/>
+                      <a:headEnd type="none" w="med" len="med"/>
+                      <a:tailEnd type="none" w="med" len="med"/>
+                    </a:lnB>
+                  </a:tcPr>
+                </a:tc>
+                <a:tc>
+                  <a:txBody>
+                    <a:bodyPr/>
+                    <a:lstStyle/>
+                    <a:p>
+                      <a:pPr marL="0" marR="0" lvl="0" indent="0" algn="ctr" defTabSz="914400" rtl="0" eaLnBrk="1" fontAlgn="auto" latinLnBrk="0" hangingPunct="1">
+                        <a:lnSpc>
+                          <a:spcPct val="100000"/>
+                        </a:lnSpc>
+                        <a:spcBef>
+                          <a:spcPts val="0"/>
+                        </a:spcBef>
+                        <a:spcAft>
+                          <a:spcPts val="0"/>
+                        </a:spcAft>
+                        <a:buClrTx/>
+                        <a:buSzTx/>
+                        <a:buFontTx/>
+                        <a:buNone/>
+                        <a:tabLst/>
+                        <a:defRPr/>
+                      </a:pPr>
+                      <a:r>
+                        <a:rPr lang="en-US" dirty="0"/>
+                        <a:t>Item 3</a:t>
+                      </a:r>
+                      <a:endParaRPr lang="en-GB" dirty="0"/>
+                    </a:p>
+                    <a:p>
+                      <a:pPr algn="ctr"/>
+                      <a:endParaRPr lang="en-GB" dirty="0"/>
+                    </a:p>
+                  </a:txBody>
+                  <a:tcPr>
+                    <a:lnB w="12700" cap="flat" cmpd="sng" algn="ctr">
+                      <a:solidFill>
+                        <a:schemeClr val="tx1"/>
+                      </a:solidFill>
+                      <a:prstDash val="solid"/>
+                      <a:round/>
+                      <a:headEnd type="none" w="med" len="med"/>
+                      <a:tailEnd type="none" w="med" len="med"/>
+                    </a:lnB>
+                  </a:tcPr>
+                </a:tc>
+                <a:tc>
+                  <a:txBody>
+                    <a:bodyPr/>
+                    <a:lstStyle/>
+                    <a:p>
+                      <a:pPr marL="0" marR="0" lvl="0" indent="0" algn="ctr" defTabSz="914400" rtl="0" eaLnBrk="1" fontAlgn="auto" latinLnBrk="0" hangingPunct="1">
+                        <a:lnSpc>
+                          <a:spcPct val="100000"/>
+                        </a:lnSpc>
+                        <a:spcBef>
+                          <a:spcPts val="0"/>
+                        </a:spcBef>
+                        <a:spcAft>
+                          <a:spcPts val="0"/>
+                        </a:spcAft>
+                        <a:buClrTx/>
+                        <a:buSzTx/>
+                        <a:buFontTx/>
+                        <a:buNone/>
+                        <a:tabLst/>
+                        <a:defRPr/>
+                      </a:pPr>
+                      <a:r>
+                        <a:rPr lang="en-US" dirty="0"/>
+                        <a:t>Item 4</a:t>
+                      </a:r>
+                      <a:endParaRPr lang="en-GB" dirty="0"/>
+                    </a:p>
+                    <a:p>
+                      <a:pPr algn="ctr"/>
+                      <a:endParaRPr lang="en-GB" dirty="0"/>
+                    </a:p>
+                  </a:txBody>
+                  <a:tcPr>
+                    <a:lnB w="12700" cap="flat" cmpd="sng" algn="ctr">
+                      <a:solidFill>
+                        <a:schemeClr val="tx1"/>
+                      </a:solidFill>
+                      <a:prstDash val="solid"/>
+                      <a:round/>
+                      <a:headEnd type="none" w="med" len="med"/>
+                      <a:tailEnd type="none" w="med" len="med"/>
+                    </a:lnB>
+                  </a:tcPr>
+                </a:tc>
+                <a:tc>
+                  <a:txBody>
+                    <a:bodyPr/>
+                    <a:lstStyle/>
+                    <a:p>
+                      <a:pPr marL="0" marR="0" lvl="0" indent="0" algn="ctr" defTabSz="914400" rtl="0" eaLnBrk="1" fontAlgn="auto" latinLnBrk="0" hangingPunct="1">
+                        <a:lnSpc>
+                          <a:spcPct val="100000"/>
+                        </a:lnSpc>
+                        <a:spcBef>
+                          <a:spcPts val="0"/>
+                        </a:spcBef>
+                        <a:spcAft>
+                          <a:spcPts val="0"/>
+                        </a:spcAft>
+                        <a:buClrTx/>
+                        <a:buSzTx/>
+                        <a:buFontTx/>
+                        <a:buNone/>
+                        <a:tabLst/>
+                        <a:defRPr/>
+                      </a:pPr>
+                      <a:r>
+                        <a:rPr lang="en-US" dirty="0"/>
+                        <a:t>Item 5</a:t>
+                      </a:r>
+                      <a:endParaRPr lang="en-GB" dirty="0"/>
+                    </a:p>
+                    <a:p>
+                      <a:pPr algn="ctr"/>
+                      <a:endParaRPr lang="en-GB" dirty="0"/>
+                    </a:p>
+                  </a:txBody>
+                  <a:tcPr>
+                    <a:lnB w="12700" cap="flat" cmpd="sng" algn="ctr">
+                      <a:solidFill>
+                        <a:schemeClr val="tx1"/>
+                      </a:solidFill>
+                      <a:prstDash val="solid"/>
+                      <a:round/>
+                      <a:headEnd type="none" w="med" len="med"/>
+                      <a:tailEnd type="none" w="med" len="med"/>
+                    </a:lnB>
+                  </a:tcPr>
+                </a:tc>
+                <a:extLst>
+                  <a:ext uri="{0D108BD9-81ED-4DB2-BD59-A6C34878D82A}">
+                    <a16:rowId xmlns:a16="http://schemas.microsoft.com/office/drawing/2014/main" val="525984700"/>
+                  </a:ext>
+                </a:extLst>
+              </a:tr>
+              <a:tr h="0">
+                <a:tc>
+                  <a:txBody>
+                    <a:bodyPr/>
+                    <a:lstStyle/>
+                    <a:p>
+                      <a:pPr algn="ctr"/>
+                      <a:r>
+                        <a:rPr lang="en-US" dirty="0"/>
+                        <a:t>Name</a:t>
+                      </a:r>
+                      <a:endParaRPr lang="en-GB" dirty="0"/>
+                    </a:p>
+                  </a:txBody>
+                  <a:tcPr>
+                    <a:lnL w="12700" cap="flat" cmpd="sng" algn="ctr">
+                      <a:solidFill>
+                        <a:schemeClr val="tx1"/>
+                      </a:solidFill>
+                      <a:prstDash val="solid"/>
+                      <a:round/>
+                      <a:headEnd type="none" w="med" len="med"/>
+                      <a:tailEnd type="none" w="med" len="med"/>
+                    </a:lnL>
+                    <a:lnR w="12700" cap="flat" cmpd="sng" algn="ctr">
+                      <a:solidFill>
+                        <a:schemeClr val="tx1"/>
+                      </a:solidFill>
+                      <a:prstDash val="solid"/>
+                      <a:round/>
+                      <a:headEnd type="none" w="med" len="med"/>
+                      <a:tailEnd type="none" w="med" len="med"/>
+                    </a:lnR>
+                    <a:lnT w="12700" cap="flat" cmpd="sng" algn="ctr">
+                      <a:solidFill>
+                        <a:schemeClr val="tx1"/>
+                      </a:solidFill>
+                      <a:prstDash val="solid"/>
+                      <a:round/>
+                      <a:headEnd type="none" w="med" len="med"/>
+                      <a:tailEnd type="none" w="med" len="med"/>
+                    </a:lnT>
+                    <a:lnB w="12700" cmpd="sng">
+                      <a:noFill/>
+                    </a:lnB>
+                    <a:lnTlToBr w="12700" cmpd="sng">
+                      <a:noFill/>
+                      <a:prstDash val="solid"/>
+                    </a:lnTlToBr>
+                    <a:lnBlToTr w="12700" cmpd="sng">
+                      <a:noFill/>
+                      <a:prstDash val="solid"/>
+                    </a:lnBlToTr>
+                  </a:tcPr>
+                </a:tc>
+                <a:tc>
+                  <a:txBody>
+                    <a:bodyPr/>
+                    <a:lstStyle/>
+                    <a:p>
+                      <a:pPr algn="ctr"/>
+                      <a:r>
+                        <a:rPr lang="en-US" dirty="0"/>
+                        <a:t>Name</a:t>
+                      </a:r>
+                      <a:endParaRPr lang="en-GB" dirty="0"/>
+                    </a:p>
+                  </a:txBody>
+                  <a:tcPr>
+                    <a:lnL w="12700" cap="flat" cmpd="sng" algn="ctr">
+                      <a:solidFill>
+                        <a:schemeClr val="tx1"/>
+                      </a:solidFill>
+                      <a:prstDash val="solid"/>
+                      <a:round/>
+                      <a:headEnd type="none" w="med" len="med"/>
+                      <a:tailEnd type="none" w="med" len="med"/>
+                    </a:lnL>
+                    <a:lnR w="12700" cap="flat" cmpd="sng" algn="ctr">
+                      <a:solidFill>
+                        <a:schemeClr val="tx1"/>
+                      </a:solidFill>
+                      <a:prstDash val="solid"/>
+                      <a:round/>
+                      <a:headEnd type="none" w="med" len="med"/>
+                      <a:tailEnd type="none" w="med" len="med"/>
+                    </a:lnR>
+                    <a:lnT w="12700" cap="flat" cmpd="sng" algn="ctr">
+                      <a:solidFill>
+                        <a:schemeClr val="tx1"/>
+                      </a:solidFill>
+                      <a:prstDash val="solid"/>
+                      <a:round/>
+                      <a:headEnd type="none" w="med" len="med"/>
+                      <a:tailEnd type="none" w="med" len="med"/>
+                    </a:lnT>
+                    <a:lnB w="12700" cmpd="sng">
+                      <a:noFill/>
+                    </a:lnB>
+                    <a:lnTlToBr w="12700" cmpd="sng">
+                      <a:noFill/>
+                      <a:prstDash val="solid"/>
+                    </a:lnTlToBr>
+                    <a:lnBlToTr w="12700" cmpd="sng">
+                      <a:noFill/>
+                      <a:prstDash val="solid"/>
+                    </a:lnBlToTr>
+                  </a:tcPr>
+                </a:tc>
+                <a:tc>
+                  <a:txBody>
+                    <a:bodyPr/>
+                    <a:lstStyle/>
+                    <a:p>
+                      <a:pPr algn="ctr"/>
+                      <a:r>
+                        <a:rPr lang="en-US" dirty="0"/>
+                        <a:t>Name</a:t>
+                      </a:r>
+                      <a:endParaRPr lang="en-GB" dirty="0"/>
+                    </a:p>
+                  </a:txBody>
+                  <a:tcPr>
+                    <a:lnL w="12700" cap="flat" cmpd="sng" algn="ctr">
+                      <a:solidFill>
+                        <a:schemeClr val="tx1"/>
+                      </a:solidFill>
+                      <a:prstDash val="solid"/>
+                      <a:round/>
+                      <a:headEnd type="none" w="med" len="med"/>
+                      <a:tailEnd type="none" w="med" len="med"/>
+                    </a:lnL>
+                    <a:lnR w="12700" cap="flat" cmpd="sng" algn="ctr">
+                      <a:solidFill>
+                        <a:schemeClr val="tx1"/>
+                      </a:solidFill>
+                      <a:prstDash val="solid"/>
+                      <a:round/>
+                      <a:headEnd type="none" w="med" len="med"/>
+                      <a:tailEnd type="none" w="med" len="med"/>
+                    </a:lnR>
+                    <a:lnT w="12700" cap="flat" cmpd="sng" algn="ctr">
+                      <a:solidFill>
+                        <a:schemeClr val="tx1"/>
+                      </a:solidFill>
+                      <a:prstDash val="solid"/>
+                      <a:round/>
+                      <a:headEnd type="none" w="med" len="med"/>
+                      <a:tailEnd type="none" w="med" len="med"/>
+                    </a:lnT>
+                    <a:lnB w="12700" cmpd="sng">
+                      <a:noFill/>
+                    </a:lnB>
+                    <a:lnTlToBr w="12700" cmpd="sng">
+                      <a:noFill/>
+                      <a:prstDash val="solid"/>
+                    </a:lnTlToBr>
+                    <a:lnBlToTr w="12700" cmpd="sng">
+                      <a:noFill/>
+                      <a:prstDash val="solid"/>
+                    </a:lnBlToTr>
+                  </a:tcPr>
+                </a:tc>
+                <a:tc>
+                  <a:txBody>
+                    <a:bodyPr/>
+                    <a:lstStyle/>
+                    <a:p>
+                      <a:pPr algn="ctr"/>
+                      <a:r>
+                        <a:rPr lang="en-US" dirty="0"/>
+                        <a:t>Name</a:t>
+                      </a:r>
+                      <a:endParaRPr lang="en-GB" dirty="0"/>
+                    </a:p>
+                  </a:txBody>
+                  <a:tcPr>
+                    <a:lnL w="12700" cap="flat" cmpd="sng" algn="ctr">
+                      <a:solidFill>
+                        <a:schemeClr val="tx1"/>
+                      </a:solidFill>
+                      <a:prstDash val="solid"/>
+                      <a:round/>
+                      <a:headEnd type="none" w="med" len="med"/>
+                      <a:tailEnd type="none" w="med" len="med"/>
+                    </a:lnL>
+                    <a:lnR w="12700" cap="flat" cmpd="sng" algn="ctr">
+                      <a:solidFill>
+                        <a:schemeClr val="tx1"/>
+                      </a:solidFill>
+                      <a:prstDash val="solid"/>
+                      <a:round/>
+                      <a:headEnd type="none" w="med" len="med"/>
+                      <a:tailEnd type="none" w="med" len="med"/>
+                    </a:lnR>
+                    <a:lnT w="12700" cap="flat" cmpd="sng" algn="ctr">
+                      <a:solidFill>
+                        <a:schemeClr val="tx1"/>
+                      </a:solidFill>
+                      <a:prstDash val="solid"/>
+                      <a:round/>
+                      <a:headEnd type="none" w="med" len="med"/>
+                      <a:tailEnd type="none" w="med" len="med"/>
+                    </a:lnT>
+                    <a:lnB w="12700" cmpd="sng">
+                      <a:noFill/>
+                    </a:lnB>
+                    <a:lnTlToBr w="12700" cmpd="sng">
+                      <a:noFill/>
+                      <a:prstDash val="solid"/>
+                    </a:lnTlToBr>
+                    <a:lnBlToTr w="12700" cmpd="sng">
+                      <a:noFill/>
+                      <a:prstDash val="solid"/>
+                    </a:lnBlToTr>
+                  </a:tcPr>
+                </a:tc>
+                <a:tc>
+                  <a:txBody>
+                    <a:bodyPr/>
+                    <a:lstStyle/>
+                    <a:p>
+                      <a:pPr algn="ctr"/>
+                      <a:r>
+                        <a:rPr lang="en-US" dirty="0"/>
+                        <a:t>Name</a:t>
+                      </a:r>
+                      <a:endParaRPr lang="en-GB" dirty="0"/>
+                    </a:p>
+                  </a:txBody>
+                  <a:tcPr>
+                    <a:lnL w="12700" cap="flat" cmpd="sng" algn="ctr">
+                      <a:solidFill>
+                        <a:schemeClr val="tx1"/>
+                      </a:solidFill>
+                      <a:prstDash val="solid"/>
+                      <a:round/>
+                      <a:headEnd type="none" w="med" len="med"/>
+                      <a:tailEnd type="none" w="med" len="med"/>
+                    </a:lnL>
+                    <a:lnR w="12700" cap="flat" cmpd="sng" algn="ctr">
+                      <a:solidFill>
+                        <a:schemeClr val="tx1"/>
+                      </a:solidFill>
+                      <a:prstDash val="solid"/>
+                      <a:round/>
+                      <a:headEnd type="none" w="med" len="med"/>
+                      <a:tailEnd type="none" w="med" len="med"/>
+                    </a:lnR>
+                    <a:lnT w="12700" cap="flat" cmpd="sng" algn="ctr">
+                      <a:solidFill>
+                        <a:schemeClr val="tx1"/>
+                      </a:solidFill>
+                      <a:prstDash val="solid"/>
+                      <a:round/>
+                      <a:headEnd type="none" w="med" len="med"/>
+                      <a:tailEnd type="none" w="med" len="med"/>
+                    </a:lnT>
+                    <a:lnB w="12700" cmpd="sng">
+                      <a:noFill/>
+                    </a:lnB>
+                    <a:lnTlToBr w="12700" cmpd="sng">
+                      <a:noFill/>
+                      <a:prstDash val="solid"/>
+                    </a:lnTlToBr>
+                    <a:lnBlToTr w="12700" cmpd="sng">
+                      <a:noFill/>
+                      <a:prstDash val="solid"/>
+                    </a:lnBlToTr>
+                  </a:tcPr>
+                </a:tc>
+                <a:extLst>
+                  <a:ext uri="{0D108BD9-81ED-4DB2-BD59-A6C34878D82A}">
+                    <a16:rowId xmlns:a16="http://schemas.microsoft.com/office/drawing/2014/main" val="2077542295"/>
+                  </a:ext>
+                </a:extLst>
+              </a:tr>
+              <a:tr h="0">
+                <a:tc>
+                  <a:txBody>
+                    <a:bodyPr/>
+                    <a:lstStyle/>
+                    <a:p>
+                      <a:pPr algn="ctr"/>
+                      <a:r>
+                        <a:rPr lang="en-US" dirty="0"/>
+                        <a:t>Price</a:t>
+                      </a:r>
+                      <a:endParaRPr lang="en-GB" dirty="0"/>
+                    </a:p>
+                  </a:txBody>
+                  <a:tcPr>
+                    <a:lnL w="12700" cap="flat" cmpd="sng" algn="ctr">
+                      <a:solidFill>
+                        <a:schemeClr val="tx1"/>
+                      </a:solidFill>
+                      <a:prstDash val="solid"/>
+                      <a:round/>
+                      <a:headEnd type="none" w="med" len="med"/>
+                      <a:tailEnd type="none" w="med" len="med"/>
+                    </a:lnL>
+                    <a:lnR w="12700" cap="flat" cmpd="sng" algn="ctr">
+                      <a:solidFill>
+                        <a:schemeClr val="tx1"/>
+                      </a:solidFill>
+                      <a:prstDash val="solid"/>
+                      <a:round/>
+                      <a:headEnd type="none" w="med" len="med"/>
+                      <a:tailEnd type="none" w="med" len="med"/>
+                    </a:lnR>
+                    <a:lnT w="12700" cmpd="sng">
+                      <a:noFill/>
+                    </a:lnT>
+                    <a:lnB w="12700" cap="flat" cmpd="sng" algn="ctr">
+                      <a:solidFill>
+                        <a:schemeClr val="tx1"/>
+                      </a:solidFill>
+                      <a:prstDash val="solid"/>
+                      <a:round/>
+                      <a:headEnd type="none" w="med" len="med"/>
+                      <a:tailEnd type="none" w="med" len="med"/>
+                    </a:lnB>
+                    <a:lnTlToBr w="12700" cmpd="sng">
+                      <a:noFill/>
+                      <a:prstDash val="solid"/>
+                    </a:lnTlToBr>
+                    <a:lnBlToTr w="12700" cmpd="sng">
+                      <a:noFill/>
+                      <a:prstDash val="solid"/>
+                    </a:lnBlToTr>
+                  </a:tcPr>
+                </a:tc>
+                <a:tc>
+                  <a:txBody>
+                    <a:bodyPr/>
+                    <a:lstStyle/>
+                    <a:p>
+                      <a:pPr algn="ctr"/>
+                      <a:r>
+                        <a:rPr lang="en-US" dirty="0"/>
+                        <a:t>Price</a:t>
+                      </a:r>
+                      <a:endParaRPr lang="en-GB" dirty="0"/>
+                    </a:p>
+                  </a:txBody>
+                  <a:tcPr>
+                    <a:lnL w="12700" cap="flat" cmpd="sng" algn="ctr">
+                      <a:solidFill>
+                        <a:schemeClr val="tx1"/>
+                      </a:solidFill>
+                      <a:prstDash val="solid"/>
+                      <a:round/>
+                      <a:headEnd type="none" w="med" len="med"/>
+                      <a:tailEnd type="none" w="med" len="med"/>
+                    </a:lnL>
+                    <a:lnR w="12700" cap="flat" cmpd="sng" algn="ctr">
+                      <a:solidFill>
+                        <a:schemeClr val="tx1"/>
+                      </a:solidFill>
+                      <a:prstDash val="solid"/>
+                      <a:round/>
+                      <a:headEnd type="none" w="med" len="med"/>
+                      <a:tailEnd type="none" w="med" len="med"/>
+                    </a:lnR>
+                    <a:lnT w="12700" cmpd="sng">
+                      <a:noFill/>
+                    </a:lnT>
+                    <a:lnB w="12700" cap="flat" cmpd="sng" algn="ctr">
+                      <a:solidFill>
+                        <a:schemeClr val="tx1"/>
+                      </a:solidFill>
+                      <a:prstDash val="solid"/>
+                      <a:round/>
+                      <a:headEnd type="none" w="med" len="med"/>
+                      <a:tailEnd type="none" w="med" len="med"/>
+                    </a:lnB>
+                    <a:lnTlToBr w="12700" cmpd="sng">
+                      <a:noFill/>
+                      <a:prstDash val="solid"/>
+                    </a:lnTlToBr>
+                    <a:lnBlToTr w="12700" cmpd="sng">
+                      <a:noFill/>
+                      <a:prstDash val="solid"/>
+                    </a:lnBlToTr>
+                  </a:tcPr>
+                </a:tc>
+                <a:tc>
+                  <a:txBody>
+                    <a:bodyPr/>
+                    <a:lstStyle/>
+                    <a:p>
+                      <a:pPr algn="ctr"/>
+                      <a:r>
+                        <a:rPr lang="en-US" dirty="0"/>
+                        <a:t>Price</a:t>
+                      </a:r>
+                      <a:endParaRPr lang="en-GB" dirty="0"/>
+                    </a:p>
+                  </a:txBody>
+                  <a:tcPr>
+                    <a:lnL w="12700" cap="flat" cmpd="sng" algn="ctr">
+                      <a:solidFill>
+                        <a:schemeClr val="tx1"/>
+                      </a:solidFill>
+                      <a:prstDash val="solid"/>
+                      <a:round/>
+                      <a:headEnd type="none" w="med" len="med"/>
+                      <a:tailEnd type="none" w="med" len="med"/>
+                    </a:lnL>
+                    <a:lnR w="12700" cap="flat" cmpd="sng" algn="ctr">
+                      <a:solidFill>
+                        <a:schemeClr val="tx1"/>
+                      </a:solidFill>
+                      <a:prstDash val="solid"/>
+                      <a:round/>
+                      <a:headEnd type="none" w="med" len="med"/>
+                      <a:tailEnd type="none" w="med" len="med"/>
+                    </a:lnR>
+                    <a:lnT w="12700" cmpd="sng">
+                      <a:noFill/>
+                    </a:lnT>
+                    <a:lnB w="12700" cap="flat" cmpd="sng" algn="ctr">
+                      <a:solidFill>
+                        <a:schemeClr val="tx1"/>
+                      </a:solidFill>
+                      <a:prstDash val="solid"/>
+                      <a:round/>
+                      <a:headEnd type="none" w="med" len="med"/>
+                      <a:tailEnd type="none" w="med" len="med"/>
+                    </a:lnB>
+                    <a:lnTlToBr w="12700" cmpd="sng">
+                      <a:noFill/>
+                      <a:prstDash val="solid"/>
+                    </a:lnTlToBr>
+                    <a:lnBlToTr w="12700" cmpd="sng">
+                      <a:noFill/>
+                      <a:prstDash val="solid"/>
+                    </a:lnBlToTr>
+                  </a:tcPr>
+                </a:tc>
+                <a:tc>
+                  <a:txBody>
+                    <a:bodyPr/>
+                    <a:lstStyle/>
+                    <a:p>
+                      <a:pPr algn="ctr"/>
+                      <a:r>
+                        <a:rPr lang="en-US" dirty="0"/>
+                        <a:t>Price</a:t>
+                      </a:r>
+                      <a:endParaRPr lang="en-GB" dirty="0"/>
+                    </a:p>
+                  </a:txBody>
+                  <a:tcPr>
+                    <a:lnL w="12700" cap="flat" cmpd="sng" algn="ctr">
+                      <a:solidFill>
+                        <a:schemeClr val="tx1"/>
+                      </a:solidFill>
+                      <a:prstDash val="solid"/>
+                      <a:round/>
+                      <a:headEnd type="none" w="med" len="med"/>
+                      <a:tailEnd type="none" w="med" len="med"/>
+                    </a:lnL>
+                    <a:lnR w="12700" cap="flat" cmpd="sng" algn="ctr">
+                      <a:solidFill>
+                        <a:schemeClr val="tx1"/>
+                      </a:solidFill>
+                      <a:prstDash val="solid"/>
+                      <a:round/>
+                      <a:headEnd type="none" w="med" len="med"/>
+                      <a:tailEnd type="none" w="med" len="med"/>
+                    </a:lnR>
+                    <a:lnT w="12700" cmpd="sng">
+                      <a:noFill/>
+                    </a:lnT>
+                    <a:lnB w="12700" cap="flat" cmpd="sng" algn="ctr">
+                      <a:solidFill>
+                        <a:schemeClr val="tx1"/>
+                      </a:solidFill>
+                      <a:prstDash val="solid"/>
+                      <a:round/>
+                      <a:headEnd type="none" w="med" len="med"/>
+                      <a:tailEnd type="none" w="med" len="med"/>
+                    </a:lnB>
+                    <a:lnTlToBr w="12700" cmpd="sng">
+                      <a:noFill/>
+                      <a:prstDash val="solid"/>
+                    </a:lnTlToBr>
+                    <a:lnBlToTr w="12700" cmpd="sng">
+                      <a:noFill/>
+                      <a:prstDash val="solid"/>
+                    </a:lnBlToTr>
+                  </a:tcPr>
+                </a:tc>
+                <a:tc>
+                  <a:txBody>
+                    <a:bodyPr/>
+                    <a:lstStyle/>
+                    <a:p>
+                      <a:pPr algn="ctr"/>
+                      <a:r>
+                        <a:rPr lang="en-US" dirty="0"/>
+                        <a:t>Price</a:t>
+                      </a:r>
+                      <a:endParaRPr lang="en-GB" dirty="0"/>
+                    </a:p>
+                  </a:txBody>
+                  <a:tcPr>
+                    <a:lnL w="12700" cap="flat" cmpd="sng" algn="ctr">
+                      <a:solidFill>
+                        <a:schemeClr val="tx1"/>
+                      </a:solidFill>
+                      <a:prstDash val="solid"/>
+                      <a:round/>
+                      <a:headEnd type="none" w="med" len="med"/>
+                      <a:tailEnd type="none" w="med" len="med"/>
+                    </a:lnL>
+                    <a:lnR w="12700" cap="flat" cmpd="sng" algn="ctr">
+                      <a:solidFill>
+                        <a:schemeClr val="tx1"/>
+                      </a:solidFill>
+                      <a:prstDash val="solid"/>
+                      <a:round/>
+                      <a:headEnd type="none" w="med" len="med"/>
+                      <a:tailEnd type="none" w="med" len="med"/>
+                    </a:lnR>
+                    <a:lnT w="12700" cmpd="sng">
+                      <a:noFill/>
+                    </a:lnT>
+                    <a:lnB w="12700" cap="flat" cmpd="sng" algn="ctr">
+                      <a:solidFill>
+                        <a:schemeClr val="tx1"/>
+                      </a:solidFill>
+                      <a:prstDash val="solid"/>
+                      <a:round/>
+                      <a:headEnd type="none" w="med" len="med"/>
+                      <a:tailEnd type="none" w="med" len="med"/>
+                    </a:lnB>
+                    <a:lnTlToBr w="12700" cmpd="sng">
+                      <a:noFill/>
+                      <a:prstDash val="solid"/>
+                    </a:lnTlToBr>
+                    <a:lnBlToTr w="12700" cmpd="sng">
+                      <a:noFill/>
+                      <a:prstDash val="solid"/>
+                    </a:lnBlToTr>
+                  </a:tcPr>
+                </a:tc>
+                <a:extLst>
+                  <a:ext uri="{0D108BD9-81ED-4DB2-BD59-A6C34878D82A}">
+                    <a16:rowId xmlns:a16="http://schemas.microsoft.com/office/drawing/2014/main" val="4247684240"/>
+                  </a:ext>
+                </a:extLst>
+              </a:tr>
+            </a:tbl>
+          </a:graphicData>
+        </a:graphic>
+      </p:graphicFrame>
+      <p:sp>
+        <p:nvSpPr>
+          <p:cNvPr id="14" name="Arrow: Right 13">
+            <a:extLst>
+              <a:ext uri="{FF2B5EF4-FFF2-40B4-BE49-F238E27FC236}">
+                <a16:creationId xmlns:a16="http://schemas.microsoft.com/office/drawing/2014/main" id="{B769294D-0807-99D6-F1E4-9568730576E6}"/>
+              </a:ext>
+            </a:extLst>
+          </p:cNvPr>
+          <p:cNvSpPr/>
+          <p:nvPr/>
+        </p:nvSpPr>
+        <p:spPr>
+          <a:xfrm flipH="1">
+            <a:off x="42440" y="2915762"/>
+            <a:ext cx="1821084" cy="1435261"/>
+          </a:xfrm>
+          <a:prstGeom prst="rightArrow">
+            <a:avLst/>
+          </a:prstGeom>
+        </p:spPr>
+        <p:style>
+          <a:lnRef idx="2">
+            <a:schemeClr val="dk1">
+              <a:shade val="50000"/>
+            </a:schemeClr>
+          </a:lnRef>
+          <a:fillRef idx="1">
+            <a:schemeClr val="dk1"/>
+          </a:fillRef>
+          <a:effectRef idx="0">
+            <a:schemeClr val="dk1"/>
+          </a:effectRef>
+          <a:fontRef idx="minor">
+            <a:schemeClr val="lt1"/>
+          </a:fontRef>
+        </p:style>
+        <p:txBody>
+          <a:bodyPr rtlCol="0" anchor="ctr"/>
+          <a:lstStyle/>
+          <a:p>
+            <a:pPr algn="ctr"/>
+            <a:endParaRPr lang="en-GB"/>
+          </a:p>
+        </p:txBody>
+      </p:sp>
+    </p:spTree>
+    <p:extLst>
+      <p:ext uri="{BB962C8B-B14F-4D97-AF65-F5344CB8AC3E}">
+        <p14:creationId xmlns:p14="http://schemas.microsoft.com/office/powerpoint/2010/main" val="309761759"/>
+      </p:ext>
+    </p:extLst>
+  </p:cSld>
+  <p:clrMapOvr>
+    <a:masterClrMapping/>
+  </p:clrMapOvr>
+</p:sld>
+</file>
+
+<file path=ppt/slides/slide3.xml><?xml version="1.0" encoding="utf-8"?>
+<p:sld xmlns:a="http://schemas.openxmlformats.org/drawingml/2006/main" xmlns:r="http://schemas.openxmlformats.org/officeDocument/2006/relationships" xmlns:p="http://schemas.openxmlformats.org/presentationml/2006/main">
+  <p:cSld>
+    <p:spTree>
+      <p:nvGrpSpPr>
+        <p:cNvPr id="1" name=""/>
+        <p:cNvGrpSpPr/>
+        <p:nvPr/>
+      </p:nvGrpSpPr>
+      <p:grpSpPr>
+        <a:xfrm>
+          <a:off x="0" y="0"/>
+          <a:ext cx="0" cy="0"/>
+          <a:chOff x="0" y="0"/>
+          <a:chExt cx="0" cy="0"/>
+        </a:xfrm>
+      </p:grpSpPr>
+      <p:graphicFrame>
+        <p:nvGraphicFramePr>
+          <p:cNvPr id="2" name="Table 2">
+            <a:extLst>
+              <a:ext uri="{FF2B5EF4-FFF2-40B4-BE49-F238E27FC236}">
+                <a16:creationId xmlns:a16="http://schemas.microsoft.com/office/drawing/2014/main" id="{E75B7A95-692C-9B04-84E7-194EFB0A18DC}"/>
+              </a:ext>
+            </a:extLst>
+          </p:cNvPr>
+          <p:cNvGraphicFramePr>
+            <a:graphicFrameLocks noGrp="1"/>
+          </p:cNvGraphicFramePr>
+          <p:nvPr/>
+        </p:nvGraphicFramePr>
+        <p:xfrm>
+          <a:off x="2" y="1416079"/>
+          <a:ext cx="12191998" cy="369332"/>
+        </p:xfrm>
+        <a:graphic>
+          <a:graphicData uri="http://schemas.openxmlformats.org/drawingml/2006/table">
+            <a:tbl>
+              <a:tblPr firstRow="1" bandRow="1">
+                <a:tableStyleId>{9D7B26C5-4107-4FEC-AEDC-1716B250A1EF}</a:tableStyleId>
+              </a:tblPr>
+              <a:tblGrid>
+                <a:gridCol w="1741714">
+                  <a:extLst>
+                    <a:ext uri="{9D8B030D-6E8A-4147-A177-3AD203B41FA5}">
+                      <a16:colId xmlns:a16="http://schemas.microsoft.com/office/drawing/2014/main" val="641553778"/>
+                    </a:ext>
+                  </a:extLst>
+                </a:gridCol>
+                <a:gridCol w="1741714">
+                  <a:extLst>
+                    <a:ext uri="{9D8B030D-6E8A-4147-A177-3AD203B41FA5}">
+                      <a16:colId xmlns:a16="http://schemas.microsoft.com/office/drawing/2014/main" val="167891333"/>
+                    </a:ext>
+                  </a:extLst>
+                </a:gridCol>
+                <a:gridCol w="1741714">
+                  <a:extLst>
+                    <a:ext uri="{9D8B030D-6E8A-4147-A177-3AD203B41FA5}">
+                      <a16:colId xmlns:a16="http://schemas.microsoft.com/office/drawing/2014/main" val="1413981618"/>
+                    </a:ext>
+                  </a:extLst>
+                </a:gridCol>
+                <a:gridCol w="1741714">
+                  <a:extLst>
+                    <a:ext uri="{9D8B030D-6E8A-4147-A177-3AD203B41FA5}">
+                      <a16:colId xmlns:a16="http://schemas.microsoft.com/office/drawing/2014/main" val="3192253266"/>
+                    </a:ext>
+                  </a:extLst>
+                </a:gridCol>
+                <a:gridCol w="1741714">
+                  <a:extLst>
+                    <a:ext uri="{9D8B030D-6E8A-4147-A177-3AD203B41FA5}">
+                      <a16:colId xmlns:a16="http://schemas.microsoft.com/office/drawing/2014/main" val="3373050911"/>
+                    </a:ext>
+                  </a:extLst>
+                </a:gridCol>
+                <a:gridCol w="1741714">
+                  <a:extLst>
+                    <a:ext uri="{9D8B030D-6E8A-4147-A177-3AD203B41FA5}">
+                      <a16:colId xmlns:a16="http://schemas.microsoft.com/office/drawing/2014/main" val="148570922"/>
+                    </a:ext>
+                  </a:extLst>
+                </a:gridCol>
+                <a:gridCol w="1741714">
+                  <a:extLst>
+                    <a:ext uri="{9D8B030D-6E8A-4147-A177-3AD203B41FA5}">
+                      <a16:colId xmlns:a16="http://schemas.microsoft.com/office/drawing/2014/main" val="1831070737"/>
+                    </a:ext>
+                  </a:extLst>
+                </a:gridCol>
+              </a:tblGrid>
+              <a:tr h="369332">
+                <a:tc>
+                  <a:txBody>
+                    <a:bodyPr/>
+                    <a:lstStyle/>
+                    <a:p>
+                      <a:pPr algn="ctr"/>
+                      <a:r>
+                        <a:rPr lang="en-US" dirty="0"/>
+                        <a:t>Home</a:t>
+                      </a:r>
+                      <a:endParaRPr lang="en-GB" dirty="0"/>
+                    </a:p>
+                  </a:txBody>
+                  <a:tcPr/>
+                </a:tc>
+                <a:tc>
+                  <a:txBody>
+                    <a:bodyPr/>
+                    <a:lstStyle/>
+                    <a:p>
+                      <a:pPr algn="ctr"/>
+                      <a:r>
+                        <a:rPr lang="en-US" dirty="0"/>
+                        <a:t>Products</a:t>
+                      </a:r>
+                      <a:endParaRPr lang="en-GB" dirty="0"/>
+                    </a:p>
+                  </a:txBody>
+                  <a:tcPr/>
+                </a:tc>
+                <a:tc>
+                  <a:txBody>
+                    <a:bodyPr/>
+                    <a:lstStyle/>
+                    <a:p>
+                      <a:pPr algn="ctr"/>
+                      <a:r>
+                        <a:rPr lang="en-US" dirty="0"/>
+                        <a:t>Contact Us </a:t>
+                      </a:r>
+                      <a:endParaRPr lang="en-GB" dirty="0"/>
+                    </a:p>
+                  </a:txBody>
+                  <a:tcPr/>
+                </a:tc>
+                <a:tc>
+                  <a:txBody>
+                    <a:bodyPr/>
+                    <a:lstStyle/>
+                    <a:p>
+                      <a:pPr algn="ctr"/>
+                      <a:r>
+                        <a:rPr lang="en-US" dirty="0"/>
+                        <a:t>Logout </a:t>
+                      </a:r>
+                      <a:endParaRPr lang="en-GB" dirty="0"/>
+                    </a:p>
+                  </a:txBody>
+                  <a:tcPr/>
+                </a:tc>
+                <a:tc>
+                  <a:txBody>
+                    <a:bodyPr/>
+                    <a:lstStyle/>
+                    <a:p>
+                      <a:pPr algn="ctr"/>
+                      <a:r>
+                        <a:rPr lang="en-US" dirty="0"/>
+                        <a:t>Orders </a:t>
+                      </a:r>
+                      <a:endParaRPr lang="en-GB" dirty="0"/>
+                    </a:p>
+                  </a:txBody>
+                  <a:tcPr/>
+                </a:tc>
+                <a:tc>
+                  <a:txBody>
+                    <a:bodyPr/>
+                    <a:lstStyle/>
+                    <a:p>
+                      <a:pPr algn="ctr"/>
+                      <a:r>
+                        <a:rPr lang="en-US" dirty="0"/>
+                        <a:t>Favorites</a:t>
+                      </a:r>
+                      <a:endParaRPr lang="en-GB" dirty="0"/>
+                    </a:p>
+                  </a:txBody>
+                  <a:tcPr/>
+                </a:tc>
+                <a:tc>
+                  <a:txBody>
+                    <a:bodyPr/>
+                    <a:lstStyle/>
+                    <a:p>
+                      <a:pPr algn="ctr"/>
+                      <a:r>
+                        <a:rPr lang="en-US" dirty="0"/>
+                        <a:t>Basket</a:t>
+                      </a:r>
+                      <a:endParaRPr lang="en-GB" dirty="0"/>
+                    </a:p>
+                  </a:txBody>
+                  <a:tcPr/>
+                </a:tc>
+                <a:extLst>
+                  <a:ext uri="{0D108BD9-81ED-4DB2-BD59-A6C34878D82A}">
+                    <a16:rowId xmlns:a16="http://schemas.microsoft.com/office/drawing/2014/main" val="2096429587"/>
+                  </a:ext>
+                </a:extLst>
+              </a:tr>
+            </a:tbl>
+          </a:graphicData>
+        </a:graphic>
+      </p:graphicFrame>
+      <p:sp>
+        <p:nvSpPr>
+          <p:cNvPr id="5" name="TextBox 4">
+            <a:extLst>
+              <a:ext uri="{FF2B5EF4-FFF2-40B4-BE49-F238E27FC236}">
+                <a16:creationId xmlns:a16="http://schemas.microsoft.com/office/drawing/2014/main" id="{C0A6C51E-ECDC-16C8-D6E0-F4D0ADC51248}"/>
+              </a:ext>
+            </a:extLst>
+          </p:cNvPr>
+          <p:cNvSpPr txBox="1"/>
+          <p:nvPr/>
+        </p:nvSpPr>
+        <p:spPr>
+          <a:xfrm>
+            <a:off x="0" y="1939606"/>
+            <a:ext cx="12192000" cy="523220"/>
+          </a:xfrm>
+          <a:prstGeom prst="rect">
+            <a:avLst/>
+          </a:prstGeom>
+          <a:noFill/>
+        </p:spPr>
+        <p:txBody>
+          <a:bodyPr wrap="square" rtlCol="0">
+            <a:spAutoFit/>
+          </a:bodyPr>
+          <a:lstStyle/>
+          <a:p>
+            <a:pPr algn="ctr"/>
+            <a:r>
+              <a:rPr lang="en-US" sz="2800" dirty="0"/>
+              <a:t>Categories</a:t>
+            </a:r>
+            <a:endParaRPr lang="en-GB" dirty="0"/>
+          </a:p>
+        </p:txBody>
+      </p:sp>
+      <p:sp>
+        <p:nvSpPr>
+          <p:cNvPr id="8" name="Rectangle 7">
+            <a:extLst>
+              <a:ext uri="{FF2B5EF4-FFF2-40B4-BE49-F238E27FC236}">
+                <a16:creationId xmlns:a16="http://schemas.microsoft.com/office/drawing/2014/main" id="{1D59E34E-FFBA-6578-25B3-FAB5F9B44B33}"/>
+              </a:ext>
+            </a:extLst>
+          </p:cNvPr>
+          <p:cNvSpPr/>
+          <p:nvPr/>
+        </p:nvSpPr>
+        <p:spPr>
+          <a:xfrm>
+            <a:off x="2" y="369332"/>
+            <a:ext cx="12192000" cy="1046747"/>
+          </a:xfrm>
+          <a:prstGeom prst="rect">
+            <a:avLst/>
+          </a:prstGeom>
+          <a:noFill/>
+          <a:ln>
+            <a:noFill/>
+          </a:ln>
+        </p:spPr>
+        <p:style>
+          <a:lnRef idx="0">
+            <a:scrgbClr r="0" g="0" b="0"/>
+          </a:lnRef>
+          <a:fillRef idx="0">
+            <a:scrgbClr r="0" g="0" b="0"/>
+          </a:fillRef>
+          <a:effectRef idx="0">
+            <a:scrgbClr r="0" g="0" b="0"/>
+          </a:effectRef>
+          <a:fontRef idx="minor">
+            <a:schemeClr val="dk1"/>
+          </a:fontRef>
+        </p:style>
+        <p:txBody>
+          <a:bodyPr rtlCol="0" anchor="ctr"/>
+          <a:lstStyle/>
+          <a:p>
+            <a:pPr algn="ctr"/>
+            <a:r>
+              <a:rPr lang="en-US" sz="6000" dirty="0"/>
+              <a:t>TH13TEENBIT</a:t>
+            </a:r>
+            <a:endParaRPr lang="en-GB" dirty="0"/>
+          </a:p>
+        </p:txBody>
+      </p:sp>
       <p:graphicFrame>
         <p:nvGraphicFramePr>
           <p:cNvPr id="9" name="Table 2">
@@ -4053,13 +5377,7 @@
           <p:cNvGraphicFramePr>
             <a:graphicFrameLocks noGrp="1"/>
           </p:cNvGraphicFramePr>
-          <p:nvPr>
-            <p:extLst>
-              <p:ext uri="{D42A27DB-BD31-4B8C-83A1-F6EECF244321}">
-                <p14:modId xmlns:p14="http://schemas.microsoft.com/office/powerpoint/2010/main" val="1202500017"/>
-              </p:ext>
-            </p:extLst>
-          </p:nvPr>
+          <p:nvPr/>
         </p:nvGraphicFramePr>
         <p:xfrm>
           <a:off x="2" y="2649316"/>
@@ -4308,7 +5626,7 @@
           <a:p>
             <a:r>
               <a:rPr lang="en-US" dirty="0"/>
-              <a:t>Home Page</a:t>
+              <a:t>Products Page</a:t>
             </a:r>
             <a:endParaRPr lang="en-GB" dirty="0"/>
           </a:p>
@@ -4327,7 +5645,726 @@
 </p:sld>
 </file>
 
-<file path=ppt/slides/slide3.xml><?xml version="1.0" encoding="utf-8"?>
+<file path=ppt/slides/slide4.xml><?xml version="1.0" encoding="utf-8"?>
+<p:sld xmlns:a="http://schemas.openxmlformats.org/drawingml/2006/main" xmlns:r="http://schemas.openxmlformats.org/officeDocument/2006/relationships" xmlns:p="http://schemas.openxmlformats.org/presentationml/2006/main">
+  <p:cSld>
+    <p:spTree>
+      <p:nvGrpSpPr>
+        <p:cNvPr id="1" name=""/>
+        <p:cNvGrpSpPr/>
+        <p:nvPr/>
+      </p:nvGrpSpPr>
+      <p:grpSpPr>
+        <a:xfrm>
+          <a:off x="0" y="0"/>
+          <a:ext cx="0" cy="0"/>
+          <a:chOff x="0" y="0"/>
+          <a:chExt cx="0" cy="0"/>
+        </a:xfrm>
+      </p:grpSpPr>
+      <p:sp>
+        <p:nvSpPr>
+          <p:cNvPr id="12" name="Rectangle 11">
+            <a:extLst>
+              <a:ext uri="{FF2B5EF4-FFF2-40B4-BE49-F238E27FC236}">
+                <a16:creationId xmlns:a16="http://schemas.microsoft.com/office/drawing/2014/main" id="{E81B8066-96C7-DA23-EF31-C4500C304130}"/>
+              </a:ext>
+            </a:extLst>
+          </p:cNvPr>
+          <p:cNvSpPr/>
+          <p:nvPr/>
+        </p:nvSpPr>
+        <p:spPr>
+          <a:xfrm>
+            <a:off x="6179414" y="2774284"/>
+            <a:ext cx="6012587" cy="4083716"/>
+          </a:xfrm>
+          <a:prstGeom prst="rect">
+            <a:avLst/>
+          </a:prstGeom>
+        </p:spPr>
+        <p:style>
+          <a:lnRef idx="2">
+            <a:schemeClr val="dk1"/>
+          </a:lnRef>
+          <a:fillRef idx="1">
+            <a:schemeClr val="lt1"/>
+          </a:fillRef>
+          <a:effectRef idx="0">
+            <a:schemeClr val="dk1"/>
+          </a:effectRef>
+          <a:fontRef idx="minor">
+            <a:schemeClr val="dk1"/>
+          </a:fontRef>
+        </p:style>
+        <p:txBody>
+          <a:bodyPr rtlCol="0" anchor="ctr"/>
+          <a:lstStyle/>
+          <a:p>
+            <a:pPr algn="ctr"/>
+            <a:endParaRPr lang="en-GB"/>
+          </a:p>
+        </p:txBody>
+      </p:sp>
+      <p:graphicFrame>
+        <p:nvGraphicFramePr>
+          <p:cNvPr id="2" name="Table 2">
+            <a:extLst>
+              <a:ext uri="{FF2B5EF4-FFF2-40B4-BE49-F238E27FC236}">
+                <a16:creationId xmlns:a16="http://schemas.microsoft.com/office/drawing/2014/main" id="{492B5DFD-D017-027A-B1F1-B0EE73630991}"/>
+              </a:ext>
+            </a:extLst>
+          </p:cNvPr>
+          <p:cNvGraphicFramePr>
+            <a:graphicFrameLocks noGrp="1"/>
+          </p:cNvGraphicFramePr>
+          <p:nvPr/>
+        </p:nvGraphicFramePr>
+        <p:xfrm>
+          <a:off x="2" y="1416079"/>
+          <a:ext cx="12191998" cy="369332"/>
+        </p:xfrm>
+        <a:graphic>
+          <a:graphicData uri="http://schemas.openxmlformats.org/drawingml/2006/table">
+            <a:tbl>
+              <a:tblPr firstRow="1" bandRow="1">
+                <a:tableStyleId>{9D7B26C5-4107-4FEC-AEDC-1716B250A1EF}</a:tableStyleId>
+              </a:tblPr>
+              <a:tblGrid>
+                <a:gridCol w="1741714">
+                  <a:extLst>
+                    <a:ext uri="{9D8B030D-6E8A-4147-A177-3AD203B41FA5}">
+                      <a16:colId xmlns:a16="http://schemas.microsoft.com/office/drawing/2014/main" val="641553778"/>
+                    </a:ext>
+                  </a:extLst>
+                </a:gridCol>
+                <a:gridCol w="1741714">
+                  <a:extLst>
+                    <a:ext uri="{9D8B030D-6E8A-4147-A177-3AD203B41FA5}">
+                      <a16:colId xmlns:a16="http://schemas.microsoft.com/office/drawing/2014/main" val="167891333"/>
+                    </a:ext>
+                  </a:extLst>
+                </a:gridCol>
+                <a:gridCol w="1741714">
+                  <a:extLst>
+                    <a:ext uri="{9D8B030D-6E8A-4147-A177-3AD203B41FA5}">
+                      <a16:colId xmlns:a16="http://schemas.microsoft.com/office/drawing/2014/main" val="1413981618"/>
+                    </a:ext>
+                  </a:extLst>
+                </a:gridCol>
+                <a:gridCol w="1741714">
+                  <a:extLst>
+                    <a:ext uri="{9D8B030D-6E8A-4147-A177-3AD203B41FA5}">
+                      <a16:colId xmlns:a16="http://schemas.microsoft.com/office/drawing/2014/main" val="3192253266"/>
+                    </a:ext>
+                  </a:extLst>
+                </a:gridCol>
+                <a:gridCol w="1741714">
+                  <a:extLst>
+                    <a:ext uri="{9D8B030D-6E8A-4147-A177-3AD203B41FA5}">
+                      <a16:colId xmlns:a16="http://schemas.microsoft.com/office/drawing/2014/main" val="3373050911"/>
+                    </a:ext>
+                  </a:extLst>
+                </a:gridCol>
+                <a:gridCol w="1741714">
+                  <a:extLst>
+                    <a:ext uri="{9D8B030D-6E8A-4147-A177-3AD203B41FA5}">
+                      <a16:colId xmlns:a16="http://schemas.microsoft.com/office/drawing/2014/main" val="148570922"/>
+                    </a:ext>
+                  </a:extLst>
+                </a:gridCol>
+                <a:gridCol w="1741714">
+                  <a:extLst>
+                    <a:ext uri="{9D8B030D-6E8A-4147-A177-3AD203B41FA5}">
+                      <a16:colId xmlns:a16="http://schemas.microsoft.com/office/drawing/2014/main" val="1831070737"/>
+                    </a:ext>
+                  </a:extLst>
+                </a:gridCol>
+              </a:tblGrid>
+              <a:tr h="369332">
+                <a:tc>
+                  <a:txBody>
+                    <a:bodyPr/>
+                    <a:lstStyle/>
+                    <a:p>
+                      <a:pPr algn="ctr"/>
+                      <a:r>
+                        <a:rPr lang="en-US" dirty="0"/>
+                        <a:t>Home</a:t>
+                      </a:r>
+                      <a:endParaRPr lang="en-GB" dirty="0"/>
+                    </a:p>
+                  </a:txBody>
+                  <a:tcPr/>
+                </a:tc>
+                <a:tc>
+                  <a:txBody>
+                    <a:bodyPr/>
+                    <a:lstStyle/>
+                    <a:p>
+                      <a:pPr algn="ctr"/>
+                      <a:r>
+                        <a:rPr lang="en-US" dirty="0"/>
+                        <a:t>Products</a:t>
+                      </a:r>
+                      <a:endParaRPr lang="en-GB" dirty="0"/>
+                    </a:p>
+                  </a:txBody>
+                  <a:tcPr/>
+                </a:tc>
+                <a:tc>
+                  <a:txBody>
+                    <a:bodyPr/>
+                    <a:lstStyle/>
+                    <a:p>
+                      <a:pPr algn="ctr"/>
+                      <a:r>
+                        <a:rPr lang="en-US" dirty="0"/>
+                        <a:t>Contact Us </a:t>
+                      </a:r>
+                      <a:endParaRPr lang="en-GB" dirty="0"/>
+                    </a:p>
+                  </a:txBody>
+                  <a:tcPr/>
+                </a:tc>
+                <a:tc>
+                  <a:txBody>
+                    <a:bodyPr/>
+                    <a:lstStyle/>
+                    <a:p>
+                      <a:pPr algn="ctr"/>
+                      <a:r>
+                        <a:rPr lang="en-US" dirty="0"/>
+                        <a:t>Logout </a:t>
+                      </a:r>
+                      <a:endParaRPr lang="en-GB" dirty="0"/>
+                    </a:p>
+                  </a:txBody>
+                  <a:tcPr/>
+                </a:tc>
+                <a:tc>
+                  <a:txBody>
+                    <a:bodyPr/>
+                    <a:lstStyle/>
+                    <a:p>
+                      <a:pPr algn="ctr"/>
+                      <a:r>
+                        <a:rPr lang="en-US" dirty="0"/>
+                        <a:t>Orders </a:t>
+                      </a:r>
+                      <a:endParaRPr lang="en-GB" dirty="0"/>
+                    </a:p>
+                  </a:txBody>
+                  <a:tcPr/>
+                </a:tc>
+                <a:tc>
+                  <a:txBody>
+                    <a:bodyPr/>
+                    <a:lstStyle/>
+                    <a:p>
+                      <a:pPr algn="ctr"/>
+                      <a:r>
+                        <a:rPr lang="en-US" dirty="0"/>
+                        <a:t>Favorites</a:t>
+                      </a:r>
+                      <a:endParaRPr lang="en-GB" dirty="0"/>
+                    </a:p>
+                  </a:txBody>
+                  <a:tcPr/>
+                </a:tc>
+                <a:tc>
+                  <a:txBody>
+                    <a:bodyPr/>
+                    <a:lstStyle/>
+                    <a:p>
+                      <a:pPr algn="ctr"/>
+                      <a:r>
+                        <a:rPr lang="en-US" dirty="0"/>
+                        <a:t>Basket</a:t>
+                      </a:r>
+                      <a:endParaRPr lang="en-GB" dirty="0"/>
+                    </a:p>
+                  </a:txBody>
+                  <a:tcPr/>
+                </a:tc>
+                <a:extLst>
+                  <a:ext uri="{0D108BD9-81ED-4DB2-BD59-A6C34878D82A}">
+                    <a16:rowId xmlns:a16="http://schemas.microsoft.com/office/drawing/2014/main" val="2096429587"/>
+                  </a:ext>
+                </a:extLst>
+              </a:tr>
+            </a:tbl>
+          </a:graphicData>
+        </a:graphic>
+      </p:graphicFrame>
+      <p:sp>
+        <p:nvSpPr>
+          <p:cNvPr id="3" name="Rectangle 2">
+            <a:extLst>
+              <a:ext uri="{FF2B5EF4-FFF2-40B4-BE49-F238E27FC236}">
+                <a16:creationId xmlns:a16="http://schemas.microsoft.com/office/drawing/2014/main" id="{F324F679-EDFD-D713-0786-02D36B0318C8}"/>
+              </a:ext>
+            </a:extLst>
+          </p:cNvPr>
+          <p:cNvSpPr/>
+          <p:nvPr/>
+        </p:nvSpPr>
+        <p:spPr>
+          <a:xfrm>
+            <a:off x="2" y="369332"/>
+            <a:ext cx="12192000" cy="1046747"/>
+          </a:xfrm>
+          <a:prstGeom prst="rect">
+            <a:avLst/>
+          </a:prstGeom>
+          <a:noFill/>
+          <a:ln>
+            <a:noFill/>
+          </a:ln>
+        </p:spPr>
+        <p:style>
+          <a:lnRef idx="0">
+            <a:scrgbClr r="0" g="0" b="0"/>
+          </a:lnRef>
+          <a:fillRef idx="0">
+            <a:scrgbClr r="0" g="0" b="0"/>
+          </a:fillRef>
+          <a:effectRef idx="0">
+            <a:scrgbClr r="0" g="0" b="0"/>
+          </a:effectRef>
+          <a:fontRef idx="minor">
+            <a:schemeClr val="dk1"/>
+          </a:fontRef>
+        </p:style>
+        <p:txBody>
+          <a:bodyPr rtlCol="0" anchor="ctr"/>
+          <a:lstStyle/>
+          <a:p>
+            <a:pPr algn="ctr"/>
+            <a:r>
+              <a:rPr lang="en-US" sz="6000" dirty="0"/>
+              <a:t>TH13TEENBIT</a:t>
+            </a:r>
+            <a:endParaRPr lang="en-GB" dirty="0"/>
+          </a:p>
+        </p:txBody>
+      </p:sp>
+      <p:sp>
+        <p:nvSpPr>
+          <p:cNvPr id="4" name="TextBox 3">
+            <a:extLst>
+              <a:ext uri="{FF2B5EF4-FFF2-40B4-BE49-F238E27FC236}">
+                <a16:creationId xmlns:a16="http://schemas.microsoft.com/office/drawing/2014/main" id="{F30F9408-7758-F1A2-F53B-37C3E3AFEEDB}"/>
+              </a:ext>
+            </a:extLst>
+          </p:cNvPr>
+          <p:cNvSpPr txBox="1"/>
+          <p:nvPr/>
+        </p:nvSpPr>
+        <p:spPr>
+          <a:xfrm>
+            <a:off x="0" y="0"/>
+            <a:ext cx="2410691" cy="369332"/>
+          </a:xfrm>
+          <a:prstGeom prst="rect">
+            <a:avLst/>
+          </a:prstGeom>
+          <a:noFill/>
+        </p:spPr>
+        <p:txBody>
+          <a:bodyPr wrap="square" rtlCol="0">
+            <a:spAutoFit/>
+          </a:bodyPr>
+          <a:lstStyle/>
+          <a:p>
+            <a:r>
+              <a:rPr lang="en-US" dirty="0"/>
+              <a:t>Individual Product Page</a:t>
+            </a:r>
+            <a:endParaRPr lang="en-GB" dirty="0"/>
+          </a:p>
+        </p:txBody>
+      </p:sp>
+      <p:sp>
+        <p:nvSpPr>
+          <p:cNvPr id="6" name="Rectangle 5">
+            <a:extLst>
+              <a:ext uri="{FF2B5EF4-FFF2-40B4-BE49-F238E27FC236}">
+                <a16:creationId xmlns:a16="http://schemas.microsoft.com/office/drawing/2014/main" id="{A4742B4A-FC7A-98DC-BD7F-7DAEEC3F553C}"/>
+              </a:ext>
+            </a:extLst>
+          </p:cNvPr>
+          <p:cNvSpPr/>
+          <p:nvPr/>
+        </p:nvSpPr>
+        <p:spPr>
+          <a:xfrm>
+            <a:off x="0" y="2774284"/>
+            <a:ext cx="5114724" cy="4083716"/>
+          </a:xfrm>
+          <a:prstGeom prst="rect">
+            <a:avLst/>
+          </a:prstGeom>
+        </p:spPr>
+        <p:style>
+          <a:lnRef idx="2">
+            <a:schemeClr val="dk1"/>
+          </a:lnRef>
+          <a:fillRef idx="1">
+            <a:schemeClr val="lt1"/>
+          </a:fillRef>
+          <a:effectRef idx="0">
+            <a:schemeClr val="dk1"/>
+          </a:effectRef>
+          <a:fontRef idx="minor">
+            <a:schemeClr val="dk1"/>
+          </a:fontRef>
+        </p:style>
+        <p:txBody>
+          <a:bodyPr rtlCol="0" anchor="ctr"/>
+          <a:lstStyle/>
+          <a:p>
+            <a:pPr algn="ctr"/>
+            <a:r>
+              <a:rPr lang="en-US" sz="4400" dirty="0"/>
+              <a:t>Product Images</a:t>
+            </a:r>
+            <a:endParaRPr lang="en-GB" dirty="0"/>
+          </a:p>
+        </p:txBody>
+      </p:sp>
+      <p:sp>
+        <p:nvSpPr>
+          <p:cNvPr id="7" name="Rectangle 6">
+            <a:extLst>
+              <a:ext uri="{FF2B5EF4-FFF2-40B4-BE49-F238E27FC236}">
+                <a16:creationId xmlns:a16="http://schemas.microsoft.com/office/drawing/2014/main" id="{8EC61738-64E8-06F9-8334-C03C5090CAE0}"/>
+              </a:ext>
+            </a:extLst>
+          </p:cNvPr>
+          <p:cNvSpPr/>
+          <p:nvPr/>
+        </p:nvSpPr>
+        <p:spPr>
+          <a:xfrm>
+            <a:off x="0" y="1876157"/>
+            <a:ext cx="12191998" cy="775504"/>
+          </a:xfrm>
+          <a:prstGeom prst="rect">
+            <a:avLst/>
+          </a:prstGeom>
+        </p:spPr>
+        <p:style>
+          <a:lnRef idx="2">
+            <a:schemeClr val="dk1"/>
+          </a:lnRef>
+          <a:fillRef idx="1">
+            <a:schemeClr val="lt1"/>
+          </a:fillRef>
+          <a:effectRef idx="0">
+            <a:schemeClr val="dk1"/>
+          </a:effectRef>
+          <a:fontRef idx="minor">
+            <a:schemeClr val="dk1"/>
+          </a:fontRef>
+        </p:style>
+        <p:txBody>
+          <a:bodyPr rtlCol="0" anchor="ctr"/>
+          <a:lstStyle/>
+          <a:p>
+            <a:pPr algn="ctr"/>
+            <a:r>
+              <a:rPr lang="en-US" sz="2800" dirty="0"/>
+              <a:t>Product Name</a:t>
+            </a:r>
+            <a:endParaRPr lang="en-GB" sz="2800" dirty="0"/>
+          </a:p>
+        </p:txBody>
+      </p:sp>
+      <p:graphicFrame>
+        <p:nvGraphicFramePr>
+          <p:cNvPr id="8" name="Table 8">
+            <a:extLst>
+              <a:ext uri="{FF2B5EF4-FFF2-40B4-BE49-F238E27FC236}">
+                <a16:creationId xmlns:a16="http://schemas.microsoft.com/office/drawing/2014/main" id="{F0296C36-F5B3-F125-77A9-9E490CAF8A58}"/>
+              </a:ext>
+            </a:extLst>
+          </p:cNvPr>
+          <p:cNvGraphicFramePr>
+            <a:graphicFrameLocks noGrp="1"/>
+          </p:cNvGraphicFramePr>
+          <p:nvPr/>
+        </p:nvGraphicFramePr>
+        <p:xfrm>
+          <a:off x="5114724" y="2774284"/>
+          <a:ext cx="981275" cy="4083715"/>
+        </p:xfrm>
+        <a:graphic>
+          <a:graphicData uri="http://schemas.openxmlformats.org/drawingml/2006/table">
+            <a:tbl>
+              <a:tblPr firstRow="1" bandRow="1">
+                <a:tableStyleId>{5940675A-B579-460E-94D1-54222C63F5DA}</a:tableStyleId>
+              </a:tblPr>
+              <a:tblGrid>
+                <a:gridCol w="981275">
+                  <a:extLst>
+                    <a:ext uri="{9D8B030D-6E8A-4147-A177-3AD203B41FA5}">
+                      <a16:colId xmlns:a16="http://schemas.microsoft.com/office/drawing/2014/main" val="741966995"/>
+                    </a:ext>
+                  </a:extLst>
+                </a:gridCol>
+              </a:tblGrid>
+              <a:tr h="816743">
+                <a:tc>
+                  <a:txBody>
+                    <a:bodyPr/>
+                    <a:lstStyle/>
+                    <a:p>
+                      <a:endParaRPr lang="en-GB" dirty="0"/>
+                    </a:p>
+                  </a:txBody>
+                  <a:tcPr/>
+                </a:tc>
+                <a:extLst>
+                  <a:ext uri="{0D108BD9-81ED-4DB2-BD59-A6C34878D82A}">
+                    <a16:rowId xmlns:a16="http://schemas.microsoft.com/office/drawing/2014/main" val="589968907"/>
+                  </a:ext>
+                </a:extLst>
+              </a:tr>
+              <a:tr h="816743">
+                <a:tc>
+                  <a:txBody>
+                    <a:bodyPr/>
+                    <a:lstStyle/>
+                    <a:p>
+                      <a:endParaRPr lang="en-GB"/>
+                    </a:p>
+                  </a:txBody>
+                  <a:tcPr/>
+                </a:tc>
+                <a:extLst>
+                  <a:ext uri="{0D108BD9-81ED-4DB2-BD59-A6C34878D82A}">
+                    <a16:rowId xmlns:a16="http://schemas.microsoft.com/office/drawing/2014/main" val="2632634776"/>
+                  </a:ext>
+                </a:extLst>
+              </a:tr>
+              <a:tr h="816743">
+                <a:tc>
+                  <a:txBody>
+                    <a:bodyPr/>
+                    <a:lstStyle/>
+                    <a:p>
+                      <a:endParaRPr lang="en-GB"/>
+                    </a:p>
+                  </a:txBody>
+                  <a:tcPr/>
+                </a:tc>
+                <a:extLst>
+                  <a:ext uri="{0D108BD9-81ED-4DB2-BD59-A6C34878D82A}">
+                    <a16:rowId xmlns:a16="http://schemas.microsoft.com/office/drawing/2014/main" val="1286321764"/>
+                  </a:ext>
+                </a:extLst>
+              </a:tr>
+              <a:tr h="816743">
+                <a:tc>
+                  <a:txBody>
+                    <a:bodyPr/>
+                    <a:lstStyle/>
+                    <a:p>
+                      <a:endParaRPr lang="en-GB"/>
+                    </a:p>
+                  </a:txBody>
+                  <a:tcPr/>
+                </a:tc>
+                <a:extLst>
+                  <a:ext uri="{0D108BD9-81ED-4DB2-BD59-A6C34878D82A}">
+                    <a16:rowId xmlns:a16="http://schemas.microsoft.com/office/drawing/2014/main" val="3268785717"/>
+                  </a:ext>
+                </a:extLst>
+              </a:tr>
+              <a:tr h="816743">
+                <a:tc>
+                  <a:txBody>
+                    <a:bodyPr/>
+                    <a:lstStyle/>
+                    <a:p>
+                      <a:endParaRPr lang="en-GB" dirty="0"/>
+                    </a:p>
+                  </a:txBody>
+                  <a:tcPr/>
+                </a:tc>
+                <a:extLst>
+                  <a:ext uri="{0D108BD9-81ED-4DB2-BD59-A6C34878D82A}">
+                    <a16:rowId xmlns:a16="http://schemas.microsoft.com/office/drawing/2014/main" val="2258747665"/>
+                  </a:ext>
+                </a:extLst>
+              </a:tr>
+            </a:tbl>
+          </a:graphicData>
+        </a:graphic>
+      </p:graphicFrame>
+      <p:sp>
+        <p:nvSpPr>
+          <p:cNvPr id="9" name="Rectangle 8">
+            <a:extLst>
+              <a:ext uri="{FF2B5EF4-FFF2-40B4-BE49-F238E27FC236}">
+                <a16:creationId xmlns:a16="http://schemas.microsoft.com/office/drawing/2014/main" id="{F4DEFBA4-CC8A-A9B5-8044-1ECA830DEA2D}"/>
+              </a:ext>
+            </a:extLst>
+          </p:cNvPr>
+          <p:cNvSpPr/>
+          <p:nvPr/>
+        </p:nvSpPr>
+        <p:spPr>
+          <a:xfrm>
+            <a:off x="6179416" y="2779575"/>
+            <a:ext cx="6012584" cy="2604329"/>
+          </a:xfrm>
+          <a:prstGeom prst="rect">
+            <a:avLst/>
+          </a:prstGeom>
+        </p:spPr>
+        <p:style>
+          <a:lnRef idx="2">
+            <a:schemeClr val="dk1"/>
+          </a:lnRef>
+          <a:fillRef idx="1">
+            <a:schemeClr val="lt1"/>
+          </a:fillRef>
+          <a:effectRef idx="0">
+            <a:schemeClr val="dk1"/>
+          </a:effectRef>
+          <a:fontRef idx="minor">
+            <a:schemeClr val="dk1"/>
+          </a:fontRef>
+        </p:style>
+        <p:txBody>
+          <a:bodyPr rtlCol="0" anchor="ctr"/>
+          <a:lstStyle/>
+          <a:p>
+            <a:pPr algn="ctr"/>
+            <a:r>
+              <a:rPr lang="en-US" dirty="0"/>
+              <a:t>Product information</a:t>
+            </a:r>
+          </a:p>
+          <a:p>
+            <a:pPr algn="ctr"/>
+            <a:r>
+              <a:rPr lang="en-US" dirty="0"/>
+              <a:t>(price + specification)</a:t>
+            </a:r>
+          </a:p>
+        </p:txBody>
+      </p:sp>
+      <p:sp>
+        <p:nvSpPr>
+          <p:cNvPr id="10" name="Rectangle 9">
+            <a:extLst>
+              <a:ext uri="{FF2B5EF4-FFF2-40B4-BE49-F238E27FC236}">
+                <a16:creationId xmlns:a16="http://schemas.microsoft.com/office/drawing/2014/main" id="{241AA698-076C-DA17-B79D-73A98FE8E474}"/>
+              </a:ext>
+            </a:extLst>
+          </p:cNvPr>
+          <p:cNvSpPr/>
+          <p:nvPr/>
+        </p:nvSpPr>
+        <p:spPr>
+          <a:xfrm>
+            <a:off x="6179414" y="5600632"/>
+            <a:ext cx="6012586" cy="520320"/>
+          </a:xfrm>
+          <a:prstGeom prst="rect">
+            <a:avLst/>
+          </a:prstGeom>
+        </p:spPr>
+        <p:style>
+          <a:lnRef idx="2">
+            <a:schemeClr val="dk1"/>
+          </a:lnRef>
+          <a:fillRef idx="1">
+            <a:schemeClr val="lt1"/>
+          </a:fillRef>
+          <a:effectRef idx="0">
+            <a:schemeClr val="dk1"/>
+          </a:effectRef>
+          <a:fontRef idx="minor">
+            <a:schemeClr val="dk1"/>
+          </a:fontRef>
+        </p:style>
+        <p:txBody>
+          <a:bodyPr rtlCol="0" anchor="ctr"/>
+          <a:lstStyle/>
+          <a:p>
+            <a:pPr algn="ctr"/>
+            <a:r>
+              <a:rPr lang="en-US" dirty="0"/>
+              <a:t>Quantity</a:t>
+            </a:r>
+          </a:p>
+        </p:txBody>
+      </p:sp>
+      <p:sp>
+        <p:nvSpPr>
+          <p:cNvPr id="11" name="Rectangle 10">
+            <a:extLst>
+              <a:ext uri="{FF2B5EF4-FFF2-40B4-BE49-F238E27FC236}">
+                <a16:creationId xmlns:a16="http://schemas.microsoft.com/office/drawing/2014/main" id="{8936BB8A-F81F-E680-C0E1-11113074D723}"/>
+              </a:ext>
+            </a:extLst>
+          </p:cNvPr>
+          <p:cNvSpPr/>
+          <p:nvPr/>
+        </p:nvSpPr>
+        <p:spPr>
+          <a:xfrm>
+            <a:off x="6179414" y="6337680"/>
+            <a:ext cx="6012584" cy="520320"/>
+          </a:xfrm>
+          <a:prstGeom prst="rect">
+            <a:avLst/>
+          </a:prstGeom>
+        </p:spPr>
+        <p:style>
+          <a:lnRef idx="2">
+            <a:schemeClr val="dk1"/>
+          </a:lnRef>
+          <a:fillRef idx="1">
+            <a:schemeClr val="lt1"/>
+          </a:fillRef>
+          <a:effectRef idx="0">
+            <a:schemeClr val="dk1"/>
+          </a:effectRef>
+          <a:fontRef idx="minor">
+            <a:schemeClr val="dk1"/>
+          </a:fontRef>
+        </p:style>
+        <p:txBody>
+          <a:bodyPr rtlCol="0" anchor="ctr"/>
+          <a:lstStyle/>
+          <a:p>
+            <a:pPr algn="ctr"/>
+            <a:r>
+              <a:rPr lang="en-US" dirty="0"/>
+              <a:t>Add to basket</a:t>
+            </a:r>
+          </a:p>
+        </p:txBody>
+      </p:sp>
+    </p:spTree>
+    <p:extLst>
+      <p:ext uri="{BB962C8B-B14F-4D97-AF65-F5344CB8AC3E}">
+        <p14:creationId xmlns:p14="http://schemas.microsoft.com/office/powerpoint/2010/main" val="4208443831"/>
+      </p:ext>
+    </p:extLst>
+  </p:cSld>
+  <p:clrMapOvr>
+    <a:masterClrMapping/>
+  </p:clrMapOvr>
+</p:sld>
+</file>
+
+<file path=ppt/slides/slide5.xml><?xml version="1.0" encoding="utf-8"?>
 <p:sld xmlns:a="http://schemas.openxmlformats.org/drawingml/2006/main" xmlns:r="http://schemas.openxmlformats.org/officeDocument/2006/relationships" xmlns:p="http://schemas.openxmlformats.org/presentationml/2006/main">
   <p:cSld>
     <p:spTree>
@@ -4647,7 +6684,7 @@
 </p:sld>
 </file>
 
-<file path=ppt/slides/slide4.xml><?xml version="1.0" encoding="utf-8"?>
+<file path=ppt/slides/slide6.xml><?xml version="1.0" encoding="utf-8"?>
 <p:sld xmlns:a="http://schemas.openxmlformats.org/drawingml/2006/main" xmlns:r="http://schemas.openxmlformats.org/officeDocument/2006/relationships" xmlns:p="http://schemas.openxmlformats.org/presentationml/2006/main">
   <p:cSld>
     <p:spTree>
@@ -4914,7 +6951,7 @@
 </p:sld>
 </file>
 
-<file path=ppt/slides/slide5.xml><?xml version="1.0" encoding="utf-8"?>
+<file path=ppt/slides/slide7.xml><?xml version="1.0" encoding="utf-8"?>
 <p:sld xmlns:a="http://schemas.openxmlformats.org/drawingml/2006/main" xmlns:r="http://schemas.openxmlformats.org/officeDocument/2006/relationships" xmlns:p="http://schemas.openxmlformats.org/presentationml/2006/main">
   <p:cSld>
     <p:spTree>
